--- a/Day2_INLASlides.pptx
+++ b/Day2_INLASlides.pptx
@@ -162,7 +162,7 @@
   <pc:docChgLst>
     <pc:chgData name="Michael Tseitlin" userId="bb9a064b-a0a0-473d-82e1-46931e9ba129" providerId="ADAL" clId="{6FA16F2B-5FE9-5CD1-A5AE-053ED128255B}"/>
     <pc:docChg chg="undo custSel addSld delSld modSld sldOrd modSection">
-      <pc:chgData name="Michael Tseitlin" userId="bb9a064b-a0a0-473d-82e1-46931e9ba129" providerId="ADAL" clId="{6FA16F2B-5FE9-5CD1-A5AE-053ED128255B}" dt="2025-11-23T11:31:39.073" v="5770" actId="20577"/>
+      <pc:chgData name="Michael Tseitlin" userId="bb9a064b-a0a0-473d-82e1-46931e9ba129" providerId="ADAL" clId="{6FA16F2B-5FE9-5CD1-A5AE-053ED128255B}" dt="2025-11-24T16:14:59.589" v="5792" actId="20577"/>
       <pc:docMkLst>
         <pc:docMk/>
       </pc:docMkLst>
@@ -519,7 +519,7 @@
         </pc:picChg>
       </pc:sldChg>
       <pc:sldChg chg="modSp add mod">
-        <pc:chgData name="Michael Tseitlin" userId="bb9a064b-a0a0-473d-82e1-46931e9ba129" providerId="ADAL" clId="{6FA16F2B-5FE9-5CD1-A5AE-053ED128255B}" dt="2025-11-23T11:31:39.073" v="5770" actId="20577"/>
+        <pc:chgData name="Michael Tseitlin" userId="bb9a064b-a0a0-473d-82e1-46931e9ba129" providerId="ADAL" clId="{6FA16F2B-5FE9-5CD1-A5AE-053ED128255B}" dt="2025-11-24T16:14:59.589" v="5792" actId="20577"/>
         <pc:sldMkLst>
           <pc:docMk/>
           <pc:sldMk cId="3783989817" sldId="388"/>
@@ -533,7 +533,7 @@
           </ac:spMkLst>
         </pc:spChg>
         <pc:spChg chg="mod">
-          <ac:chgData name="Michael Tseitlin" userId="bb9a064b-a0a0-473d-82e1-46931e9ba129" providerId="ADAL" clId="{6FA16F2B-5FE9-5CD1-A5AE-053ED128255B}" dt="2025-11-23T11:31:39.073" v="5770" actId="20577"/>
+          <ac:chgData name="Michael Tseitlin" userId="bb9a064b-a0a0-473d-82e1-46931e9ba129" providerId="ADAL" clId="{6FA16F2B-5FE9-5CD1-A5AE-053ED128255B}" dt="2025-11-24T16:14:59.589" v="5792" actId="20577"/>
           <ac:spMkLst>
             <pc:docMk/>
             <pc:sldMk cId="3783989817" sldId="388"/>
@@ -1010,7 +1010,7 @@
           <a:p>
             <a:fld id="{11C6E72D-8571-47E1-AC58-71DBEE48AA33}" type="datetimeFigureOut">
               <a:rPr lang="en-GB" smtClean="0"/>
-              <a:t>23/11/2025</a:t>
+              <a:t>24/11/2025</a:t>
             </a:fld>
             <a:endParaRPr lang="en-GB"/>
           </a:p>
@@ -1807,7 +1807,7 @@
           <a:p>
             <a:fld id="{9AB3A824-1A51-4B26-AD58-A6D8E14F6C04}" type="datetimeFigureOut">
               <a:rPr lang="en-US" dirty="0"/>
-              <a:t>11/23/25</a:t>
+              <a:t>11/24/25</a:t>
             </a:fld>
             <a:endParaRPr lang="en-US"/>
           </a:p>
@@ -2144,7 +2144,7 @@
           <a:p>
             <a:fld id="{D857E33E-8B18-4087-B112-809917729534}" type="datetimeFigureOut">
               <a:rPr lang="en-US" dirty="0"/>
-              <a:t>11/23/25</a:t>
+              <a:t>11/24/25</a:t>
             </a:fld>
             <a:endParaRPr lang="en-US"/>
           </a:p>
@@ -2449,7 +2449,7 @@
           <a:p>
             <a:fld id="{D3FFE419-2371-464F-8239-3959401C3561}" type="datetimeFigureOut">
               <a:rPr lang="en-US" dirty="0"/>
-              <a:t>11/23/25</a:t>
+              <a:t>11/24/25</a:t>
             </a:fld>
             <a:endParaRPr lang="en-US"/>
           </a:p>
@@ -2743,7 +2743,7 @@
           <a:p>
             <a:fld id="{9AB3A824-1A51-4B26-AD58-A6D8E14F6C04}" type="datetimeFigureOut">
               <a:rPr lang="en-US" dirty="0"/>
-              <a:t>11/23/25</a:t>
+              <a:t>11/24/25</a:t>
             </a:fld>
             <a:endParaRPr lang="en-US"/>
           </a:p>
@@ -3034,7 +3034,7 @@
           <a:p>
             <a:fld id="{97D162C4-EDD9-4389-A98B-B87ECEA2A816}" type="datetimeFigureOut">
               <a:rPr lang="en-US" dirty="0"/>
-              <a:t>11/23/25</a:t>
+              <a:t>11/24/25</a:t>
             </a:fld>
             <a:endParaRPr lang="en-US"/>
           </a:p>
@@ -3445,7 +3445,7 @@
           <a:p>
             <a:fld id="{3E5059C3-6A89-4494-99FF-5A4D6FFD50EB}" type="datetimeFigureOut">
               <a:rPr lang="en-US" dirty="0"/>
-              <a:t>11/23/25</a:t>
+              <a:t>11/24/25</a:t>
             </a:fld>
             <a:endParaRPr lang="en-US"/>
           </a:p>
@@ -3761,7 +3761,7 @@
           <a:p>
             <a:fld id="{CA954B2F-12DE-47F5-8894-472B206D2E1E}" type="datetimeFigureOut">
               <a:rPr lang="en-US" dirty="0"/>
-              <a:t>11/23/25</a:t>
+              <a:t>11/24/25</a:t>
             </a:fld>
             <a:endParaRPr lang="en-US"/>
           </a:p>
@@ -4307,7 +4307,7 @@
           <a:p>
             <a:fld id="{3F30E46F-7819-4ACF-B48B-48222C2ACC88}" type="datetimeFigureOut">
               <a:rPr lang="en-US" dirty="0"/>
-              <a:t>11/23/25</a:t>
+              <a:t>11/24/25</a:t>
             </a:fld>
             <a:endParaRPr lang="en-US"/>
           </a:p>
@@ -4506,7 +4506,7 @@
           <a:p>
             <a:fld id="{1FAF3416-4057-4DAA-829D-4CA07428D088}" type="datetimeFigureOut">
               <a:rPr lang="en-US" dirty="0"/>
-              <a:t>11/23/25</a:t>
+              <a:t>11/24/25</a:t>
             </a:fld>
             <a:endParaRPr lang="en-US"/>
           </a:p>
@@ -4724,7 +4724,7 @@
           <a:p>
             <a:fld id="{921D9284-D300-4297-87F7-E791DCC15DB1}" type="datetimeFigureOut">
               <a:rPr lang="en-US" dirty="0"/>
-              <a:t>11/23/25</a:t>
+              <a:t>11/24/25</a:t>
             </a:fld>
             <a:endParaRPr lang="en-US"/>
           </a:p>
@@ -5096,7 +5096,7 @@
           <a:p>
             <a:fld id="{37D525BB-DA17-4BA0-B3C8-3AC3ABC827E6}" type="datetimeFigureOut">
               <a:rPr lang="en-US" dirty="0"/>
-              <a:t>11/23/25</a:t>
+              <a:t>11/24/25</a:t>
             </a:fld>
             <a:endParaRPr lang="en-US"/>
           </a:p>
@@ -5360,7 +5360,7 @@
           <a:p>
             <a:fld id="{97D162C4-EDD9-4389-A98B-B87ECEA2A816}" type="datetimeFigureOut">
               <a:rPr lang="en-US" dirty="0"/>
-              <a:t>11/23/25</a:t>
+              <a:t>11/24/25</a:t>
             </a:fld>
             <a:endParaRPr lang="en-US"/>
           </a:p>
@@ -5804,7 +5804,7 @@
           <a:p>
             <a:fld id="{B16C4C9A-3960-41CF-A4E9-2A8FB932454B}" type="datetimeFigureOut">
               <a:rPr lang="en-US" dirty="0"/>
-              <a:t>11/23/25</a:t>
+              <a:t>11/24/25</a:t>
             </a:fld>
             <a:endParaRPr lang="en-US"/>
           </a:p>
@@ -6100,7 +6100,7 @@
           <a:p>
             <a:fld id="{D857E33E-8B18-4087-B112-809917729534}" type="datetimeFigureOut">
               <a:rPr lang="en-US" dirty="0"/>
-              <a:t>11/23/25</a:t>
+              <a:t>11/24/25</a:t>
             </a:fld>
             <a:endParaRPr lang="en-US"/>
           </a:p>
@@ -6405,7 +6405,7 @@
           <a:p>
             <a:fld id="{D3FFE419-2371-464F-8239-3959401C3561}" type="datetimeFigureOut">
               <a:rPr lang="en-US" dirty="0"/>
-              <a:t>11/23/25</a:t>
+              <a:t>11/24/25</a:t>
             </a:fld>
             <a:endParaRPr lang="en-US"/>
           </a:p>
@@ -6775,7 +6775,7 @@
           <a:p>
             <a:fld id="{3E5059C3-6A89-4494-99FF-5A4D6FFD50EB}" type="datetimeFigureOut">
               <a:rPr lang="en-US" dirty="0"/>
-              <a:t>11/23/25</a:t>
+              <a:t>11/24/25</a:t>
             </a:fld>
             <a:endParaRPr lang="en-US"/>
           </a:p>
@@ -7091,7 +7091,7 @@
           <a:p>
             <a:fld id="{CA954B2F-12DE-47F5-8894-472B206D2E1E}" type="datetimeFigureOut">
               <a:rPr lang="en-US" dirty="0"/>
-              <a:t>11/23/25</a:t>
+              <a:t>11/24/25</a:t>
             </a:fld>
             <a:endParaRPr lang="en-US"/>
           </a:p>
@@ -7637,7 +7637,7 @@
           <a:p>
             <a:fld id="{3F30E46F-7819-4ACF-B48B-48222C2ACC88}" type="datetimeFigureOut">
               <a:rPr lang="en-US" dirty="0"/>
-              <a:t>11/23/25</a:t>
+              <a:t>11/24/25</a:t>
             </a:fld>
             <a:endParaRPr lang="en-US"/>
           </a:p>
@@ -7836,7 +7836,7 @@
           <a:p>
             <a:fld id="{1FAF3416-4057-4DAA-829D-4CA07428D088}" type="datetimeFigureOut">
               <a:rPr lang="en-US" dirty="0"/>
-              <a:t>11/23/25</a:t>
+              <a:t>11/24/25</a:t>
             </a:fld>
             <a:endParaRPr lang="en-US"/>
           </a:p>
@@ -8054,7 +8054,7 @@
           <a:p>
             <a:fld id="{921D9284-D300-4297-87F7-E791DCC15DB1}" type="datetimeFigureOut">
               <a:rPr lang="en-US" dirty="0"/>
-              <a:t>11/23/25</a:t>
+              <a:t>11/24/25</a:t>
             </a:fld>
             <a:endParaRPr lang="en-US"/>
           </a:p>
@@ -8426,7 +8426,7 @@
           <a:p>
             <a:fld id="{37D525BB-DA17-4BA0-B3C8-3AC3ABC827E6}" type="datetimeFigureOut">
               <a:rPr lang="en-US" dirty="0"/>
-              <a:t>11/23/25</a:t>
+              <a:t>11/24/25</a:t>
             </a:fld>
             <a:endParaRPr lang="en-US"/>
           </a:p>
@@ -8829,7 +8829,7 @@
           <a:p>
             <a:fld id="{B16C4C9A-3960-41CF-A4E9-2A8FB932454B}" type="datetimeFigureOut">
               <a:rPr lang="en-US" dirty="0"/>
-              <a:t>11/23/25</a:t>
+              <a:t>11/24/25</a:t>
             </a:fld>
             <a:endParaRPr lang="en-US"/>
           </a:p>
@@ -9178,7 +9178,7 @@
           <a:p>
             <a:fld id="{3CBC1C18-307B-4F68-A007-B5B542270E8D}" type="datetimeFigureOut">
               <a:rPr lang="en-US" dirty="0"/>
-              <a:t>11/23/25</a:t>
+              <a:t>11/24/25</a:t>
             </a:fld>
             <a:endParaRPr lang="en-US"/>
           </a:p>
@@ -9974,7 +9974,7 @@
           <a:p>
             <a:fld id="{3CBC1C18-307B-4F68-A007-B5B542270E8D}" type="datetimeFigureOut">
               <a:rPr lang="en-US" dirty="0"/>
-              <a:t>11/23/25</a:t>
+              <a:t>11/24/25</a:t>
             </a:fld>
             <a:endParaRPr lang="en-US"/>
           </a:p>
@@ -14759,7 +14759,7 @@
                 <a:ea typeface="宋体"/>
                 <a:cs typeface="Arial" panose="020B0604020202020204"/>
               </a:rPr>
-              <a:t>Joint multiple likelihoods (i.e., for SEMs)</a:t>
+              <a:t>Joint multiple likelihoods</a:t>
             </a:r>
           </a:p>
           <a:p>
@@ -14769,19 +14769,8 @@
                 <a:ea typeface="宋体"/>
                 <a:cs typeface="Arial" panose="020B0604020202020204"/>
               </a:rPr>
-              <a:t>Bayesian melding model (i.e., </a:t>
-            </a:r>
-            <a:r>
-              <a:rPr lang="en-GB" altLang="zh-CN">
-                <a:ea typeface="宋体"/>
-                <a:cs typeface="Arial" panose="020B0604020202020204"/>
-              </a:rPr>
-              <a:t>data fusion)</a:t>
-            </a:r>
-            <a:endParaRPr lang="en-GB" altLang="zh-CN" dirty="0">
-              <a:ea typeface="宋体"/>
-              <a:cs typeface="Arial" panose="020B0604020202020204"/>
-            </a:endParaRPr>
+              <a:t>Bayesian melding model (i.e., data fusion)</a:t>
+            </a:r>
           </a:p>
         </p:txBody>
       </p:sp>
